--- a/МТССНДАМСС.pptx
+++ b/МТССНДАМСС.pptx
@@ -3357,8 +3357,16 @@
               <a:defRPr lang="en-US"/>
             </a:pPr>
             <a:r>
-              <a:rPr lang="en-US" sz="2800"/>
-              <a:t>Обзор</a:t>
+              <a:rPr sz="2800">
+                <a:solidFill>
+                  <a:schemeClr val="dk1"/>
+                </a:solidFill>
+                <a:latin typeface="Calibri" panose="020F0502020204030204"/>
+                <a:ea typeface="Calibri" panose="020F0502020204030204"/>
+                <a:cs typeface="Calibri" panose="020F0502020204030204"/>
+                <a:sym typeface="Calibri" panose="020F0502020204030204"/>
+              </a:rPr>
+              <a:t>Используемые инструменты </a:t>
             </a:r>
             <a:endParaRPr lang="en-US" sz="2800"/>
           </a:p>
@@ -3423,46 +3431,13 @@
               <a:buFont typeface="Arial" panose="020B0604020202020204" pitchFamily="2" charset="-52"/>
               <a:defRPr lang="en-US"/>
             </a:pPr>
-            <a:endParaRPr lang="en-US" sz="2400"/>
-          </a:p>
-          <a:p>
-            <a:pPr>
-              <a:buFont typeface="Arial" panose="020B0604020202020204" pitchFamily="2" charset="-52"/>
-              <a:defRPr lang="en-US"/>
-            </a:pPr>
-            <a:endParaRPr lang="en-US" sz="2400"/>
-          </a:p>
-          <a:p>
-            <a:pPr marL="0" lvl="0" indent="0" algn="l" rtl="0">
-              <a:spcBef>
-                <a:spcPts val="1600"/>
-              </a:spcBef>
-              <a:spcAft>
-                <a:spcPts val="0"/>
-              </a:spcAft>
-              <a:buNone/>
-            </a:pPr>
-            <a:endParaRPr lang="en-GB" sz="2400">
-              <a:sym typeface="+mn-ea"/>
-            </a:endParaRPr>
-          </a:p>
-          <a:p>
-            <a:pPr marL="0" lvl="0" indent="0" algn="l" rtl="0">
-              <a:spcBef>
-                <a:spcPts val="1600"/>
-              </a:spcBef>
-              <a:spcAft>
-                <a:spcPts val="0"/>
-              </a:spcAft>
-              <a:buNone/>
-            </a:pPr>
-            <a:r>
-              <a:rPr lang="en-GB" sz="2400">
+            <a:r>
+              <a:rPr lang="en-GB" sz="1400">
                 <a:sym typeface="+mn-ea"/>
               </a:rPr>
               <a:t>Link:</a:t>
             </a:r>
-            <a:endParaRPr lang="en-GB" sz="2400"/>
+            <a:endParaRPr lang="en-GB" sz="1400"/>
           </a:p>
           <a:p>
             <a:pPr marL="0" lvl="0" indent="0" algn="l" rtl="0">
@@ -3475,7 +3450,7 @@
               <a:buNone/>
             </a:pPr>
             <a:r>
-              <a:rPr lang="en-GB" sz="2400" u="sng">
+              <a:rPr lang="en-GB" sz="1400" u="sng">
                 <a:solidFill>
                   <a:schemeClr val="hlink"/>
                 </a:solidFill>
@@ -3484,14 +3459,71 @@
               </a:rPr>
               <a:t>https://snap.stanford.edu/data/ego-Facebook.html</a:t>
             </a:r>
-            <a:endParaRPr lang="en-US" sz="2400"/>
+            <a:endParaRPr lang="en-GB" sz="1400" u="sng">
+              <a:solidFill>
+                <a:schemeClr val="hlink"/>
+              </a:solidFill>
+              <a:sym typeface="+mn-ea"/>
+              <a:hlinkClick r:id="rId2"/>
+            </a:endParaRPr>
+          </a:p>
+          <a:p>
+            <a:pPr marL="285750" lvl="0" indent="-285750" algn="l" rtl="0">
+              <a:spcBef>
+                <a:spcPts val="1600"/>
+              </a:spcBef>
+              <a:spcAft>
+                <a:spcPts val="1600"/>
+              </a:spcAft>
+              <a:buFont typeface="Arial" panose="020B0604020202020204" pitchFamily="34" charset="0"/>
+              <a:buChar char="•"/>
+            </a:pPr>
+            <a:r>
+              <a:rPr lang="en-US" sz="1400"/>
+              <a:t>Visual Studio Code    </a:t>
+            </a:r>
+            <a:endParaRPr lang="en-US" sz="1400"/>
+          </a:p>
+          <a:p>
+            <a:pPr marL="285750" lvl="0" indent="-285750" algn="l" rtl="0">
+              <a:spcBef>
+                <a:spcPts val="1600"/>
+              </a:spcBef>
+              <a:spcAft>
+                <a:spcPts val="1600"/>
+              </a:spcAft>
+              <a:buFont typeface="Arial" panose="020B0604020202020204" pitchFamily="34" charset="0"/>
+              <a:buChar char="•"/>
+            </a:pPr>
+            <a:r>
+              <a:rPr lang="en-US" sz="1400"/>
+              <a:t>Python</a:t>
+            </a:r>
+            <a:endParaRPr lang="en-US" sz="1400"/>
+          </a:p>
+          <a:p>
+            <a:pPr marL="285750" lvl="0" indent="-285750" algn="l" rtl="0">
+              <a:spcBef>
+                <a:spcPts val="1600"/>
+              </a:spcBef>
+              <a:spcAft>
+                <a:spcPts val="1600"/>
+              </a:spcAft>
+              <a:buFont typeface="Arial" panose="020B0604020202020204" pitchFamily="34" charset="0"/>
+              <a:buChar char="•"/>
+            </a:pPr>
+            <a:r>
+              <a:rPr lang="en-US" sz="1400"/>
+              <a:t>Face book</a:t>
+            </a:r>
+            <a:endParaRPr lang="en-US" sz="1400"/>
           </a:p>
           <a:p>
             <a:pPr>
               <a:buFont typeface="Arial" panose="020B0604020202020204" pitchFamily="2" charset="-52"/>
               <a:defRPr lang="en-US"/>
             </a:pPr>
-            <a:endParaRPr lang="en-US" sz="2400"/>
+            <a:endParaRPr lang="en-US" sz="1400"/>
           </a:p>
         </p:txBody>
       </p:sp>
@@ -3513,7 +3545,7 @@
         </p:blipFill>
         <p:spPr>
           <a:xfrm>
-            <a:off x="5639065" y="1269100"/>
+            <a:off x="5715265" y="1047485"/>
             <a:ext cx="2933700" cy="2714625"/>
           </a:xfrm>
           <a:prstGeom prst="rect">
@@ -3523,6 +3555,94 @@
           <a:ln>
             <a:noFill/>
           </a:ln>
+        </p:spPr>
+      </p:pic>
+      <p:pic>
+        <p:nvPicPr>
+          <p:cNvPr id="75" name="Google Shape;75;p10"/>
+          <p:cNvPicPr preferRelativeResize="0"/>
+          <p:nvPr>
+            <p:custDataLst>
+              <p:tags r:id="rId5"/>
+            </p:custDataLst>
+          </p:nvPr>
+        </p:nvPicPr>
+        <p:blipFill>
+          <a:blip r:embed="rId6"/>
+          <a:stretch>
+            <a:fillRect/>
+          </a:stretch>
+        </p:blipFill>
+        <p:spPr>
+          <a:xfrm>
+            <a:off x="2133855" y="2495280"/>
+            <a:ext cx="1121200" cy="843716"/>
+          </a:xfrm>
+          <a:prstGeom prst="rect">
+            <a:avLst/>
+          </a:prstGeom>
+          <a:noFill/>
+          <a:ln>
+            <a:noFill/>
+          </a:ln>
+        </p:spPr>
+      </p:pic>
+      <p:pic>
+        <p:nvPicPr>
+          <p:cNvPr id="80" name="Google Shape;80;p10"/>
+          <p:cNvPicPr preferRelativeResize="0"/>
+          <p:nvPr>
+            <p:custDataLst>
+              <p:tags r:id="rId7"/>
+            </p:custDataLst>
+          </p:nvPr>
+        </p:nvPicPr>
+        <p:blipFill>
+          <a:blip r:embed="rId8"/>
+          <a:stretch>
+            <a:fillRect/>
+          </a:stretch>
+        </p:blipFill>
+        <p:spPr>
+          <a:xfrm>
+            <a:off x="3581605" y="2952925"/>
+            <a:ext cx="1121200" cy="1222619"/>
+          </a:xfrm>
+          <a:prstGeom prst="rect">
+            <a:avLst/>
+          </a:prstGeom>
+          <a:noFill/>
+          <a:ln>
+            <a:noFill/>
+          </a:ln>
+        </p:spPr>
+      </p:pic>
+      <p:pic>
+        <p:nvPicPr>
+          <p:cNvPr id="8" name="图片 7"/>
+          <p:cNvPicPr>
+            <a:picLocks noChangeAspect="1"/>
+          </p:cNvPicPr>
+          <p:nvPr>
+            <p:custDataLst>
+              <p:tags r:id="rId9"/>
+            </p:custDataLst>
+          </p:nvPr>
+        </p:nvPicPr>
+        <p:blipFill>
+          <a:blip r:embed="rId10"/>
+          <a:stretch>
+            <a:fillRect/>
+          </a:stretch>
+        </p:blipFill>
+        <p:spPr>
+          <a:xfrm>
+            <a:off x="2362200" y="3676015"/>
+            <a:ext cx="812800" cy="825500"/>
+          </a:xfrm>
+          <a:prstGeom prst="rect">
+            <a:avLst/>
+          </a:prstGeom>
         </p:spPr>
       </p:pic>
     </p:spTree>
@@ -4489,6 +4609,13 @@
 </p:tagLst>
 </file>
 
+<file path=ppt/tags/tag10.xml><?xml version="1.0" encoding="utf-8"?>
+<p:tagLst xmlns:p="http://schemas.openxmlformats.org/presentationml/2006/main">
+  <p:tag name="KSO_WPP_MARK_KEY" val="69920c10-8916-4139-a8fd-913afa5e7d8e"/>
+  <p:tag name="COMMONDATA" val="eyJoZGlkIjoiYjFhOGU4NGEwNDAyNjk3MDIyMGNmZmZlNTNiN2Q0NWEifQ=="/>
+</p:tagLst>
+</file>
+
 <file path=ppt/tags/tag2.xml><?xml version="1.0" encoding="utf-8"?>
 <p:tagLst xmlns:p="http://schemas.openxmlformats.org/presentationml/2006/main">
   <p:tag name="KSO_WM_BEAUTIFY_FLAG" val=""/>
@@ -4521,8 +4648,19 @@
 
 <file path=ppt/tags/tag7.xml><?xml version="1.0" encoding="utf-8"?>
 <p:tagLst xmlns:p="http://schemas.openxmlformats.org/presentationml/2006/main">
-  <p:tag name="KSO_WPP_MARK_KEY" val="69920c10-8916-4139-a8fd-913afa5e7d8e"/>
-  <p:tag name="COMMONDATA" val="eyJoZGlkIjoiYjFhOGU4NGEwNDAyNjk3MDIyMGNmZmZlNTNiN2Q0NWEifQ=="/>
+  <p:tag name="KSO_WM_BEAUTIFY_FLAG" val=""/>
+</p:tagLst>
+</file>
+
+<file path=ppt/tags/tag8.xml><?xml version="1.0" encoding="utf-8"?>
+<p:tagLst xmlns:p="http://schemas.openxmlformats.org/presentationml/2006/main">
+  <p:tag name="KSO_WM_BEAUTIFY_FLAG" val=""/>
+</p:tagLst>
+</file>
+
+<file path=ppt/tags/tag9.xml><?xml version="1.0" encoding="utf-8"?>
+<p:tagLst xmlns:p="http://schemas.openxmlformats.org/presentationml/2006/main">
+  <p:tag name="KSO_WM_BEAUTIFY_FLAG" val=""/>
 </p:tagLst>
 </file>
 
